--- a/Angular4/PPT/008. Property binding in Angular 4.pptx
+++ b/Angular4/PPT/008. Property binding in Angular 4.pptx
@@ -127,7 +127,7 @@
       </p14:sectionLst>
     </p:ext>
     <p:ext uri="{EFAFB233-063F-42B5-8137-9DF3F51BA10A}">
-      <p15:sldGuideLst xmlns="" xmlns:p15="http://schemas.microsoft.com/office/powerpoint/2012/main">
+      <p15:sldGuideLst xmlns:p15="http://schemas.microsoft.com/office/powerpoint/2012/main">
         <p15:guide id="1" orient="horz" pos="2136" userDrawn="1">
           <p15:clr>
             <a:srgbClr val="A4A3A4"/>
@@ -141,7 +141,7 @@
       </p15:sldGuideLst>
     </p:ext>
     <p:ext uri="{2D200454-40CA-4A62-9FC3-DE9A4176ACB9}">
-      <p15:notesGuideLst xmlns="" xmlns:p15="http://schemas.microsoft.com/office/powerpoint/2012/main">
+      <p15:notesGuideLst xmlns:p15="http://schemas.microsoft.com/office/powerpoint/2012/main">
         <p15:guide id="1" orient="horz" pos="2880" userDrawn="1">
           <p15:clr>
             <a:srgbClr val="A4A3A4"/>
@@ -245,7 +245,7 @@
             <a:fld id="{033971A4-8B90-4BEE-A9B6-6891E5228873}" type="datetimeFigureOut">
               <a:rPr lang="en-US" smtClean="0"/>
               <a:pPr/>
-              <a:t>9/10/2018</a:t>
+              <a:t>11/22/2018</a:t>
             </a:fld>
             <a:endParaRPr lang="en-US"/>
           </a:p>
@@ -1226,8 +1226,8 @@
         </p:nvSpPr>
         <p:spPr>
           <a:xfrm>
-            <a:off x="1153901" y="686543"/>
-            <a:ext cx="4550199" cy="3428022"/>
+            <a:off x="381000" y="685800"/>
+            <a:ext cx="6096000" cy="3429000"/>
           </a:xfrm>
           <a:ln/>
         </p:spPr>
@@ -1274,6 +1274,11 @@
         </p:txBody>
       </p:sp>
     </p:spTree>
+    <p:extLst>
+      <p:ext uri="{BB962C8B-B14F-4D97-AF65-F5344CB8AC3E}">
+        <p14:creationId xmlns:p14="http://schemas.microsoft.com/office/powerpoint/2010/main" val="2289160115"/>
+      </p:ext>
+    </p:extLst>
   </p:cSld>
   <p:clrMapOvr>
     <a:masterClrMapping/>
@@ -1961,7 +1966,7 @@
               <a:pPr>
                 <a:defRPr/>
               </a:pPr>
-              <a:t>9/10/2018</a:t>
+              <a:t>11/22/2018</a:t>
             </a:fld>
             <a:endParaRPr lang="en-US" dirty="0"/>
           </a:p>
@@ -4787,7 +4792,7 @@
               <a:pPr>
                 <a:defRPr/>
               </a:pPr>
-              <a:t>9/10/2018</a:t>
+              <a:t>11/22/2018</a:t>
             </a:fld>
             <a:endParaRPr lang="en-US" dirty="0"/>
           </a:p>
@@ -5348,7 +5353,7 @@
           <a:p>
             <a:fld id="{E4D590AA-16F7-4E3D-A354-4C6CB84BAD13}" type="datetime1">
               <a:rPr lang="en-US" smtClean="0"/>
-              <a:t>9/10/2018</a:t>
+              <a:t>11/22/2018</a:t>
             </a:fld>
             <a:endParaRPr lang="en-US"/>
           </a:p>
@@ -6874,7 +6879,7 @@
           <a:p>
             <a:fld id="{04CC576D-F588-410B-B96A-5DF84BC324E5}" type="datetime1">
               <a:rPr lang="en-US" smtClean="0"/>
-              <a:t>9/10/2018</a:t>
+              <a:t>11/22/2018</a:t>
             </a:fld>
             <a:endParaRPr lang="en-US"/>
           </a:p>
@@ -8486,7 +8491,7 @@
               <a:pPr>
                 <a:defRPr/>
               </a:pPr>
-              <a:t>9/10/2018</a:t>
+              <a:t>11/22/2018</a:t>
             </a:fld>
             <a:endParaRPr lang="en-US" dirty="0"/>
           </a:p>
@@ -10465,7 +10470,7 @@
           <a:p>
             <a:fld id="{EE75FB03-3E1C-45DF-9EFE-1758FB096B4F}" type="datetime1">
               <a:rPr lang="en-US" smtClean="0"/>
-              <a:t>9/10/2018</a:t>
+              <a:t>11/22/2018</a:t>
             </a:fld>
             <a:endParaRPr lang="en-US"/>
           </a:p>
@@ -11257,7 +11262,7 @@
           <a:p>
             <a:fld id="{A8224464-7759-4097-B573-F243E16B0A20}" type="datetime1">
               <a:rPr lang="en-US" smtClean="0"/>
-              <a:t>9/10/2018</a:t>
+              <a:t>11/22/2018</a:t>
             </a:fld>
             <a:endParaRPr lang="en-US"/>
           </a:p>
@@ -11824,7 +11829,7 @@
               <a:pPr>
                 <a:defRPr/>
               </a:pPr>
-              <a:t>9/10/2018</a:t>
+              <a:t>11/22/2018</a:t>
             </a:fld>
             <a:endParaRPr lang="en-US" dirty="0"/>
           </a:p>
@@ -12433,7 +12438,7 @@
               <a:pPr>
                 <a:defRPr/>
               </a:pPr>
-              <a:t>9/10/2018</a:t>
+              <a:t>11/22/2018</a:t>
             </a:fld>
             <a:endParaRPr lang="en-US" dirty="0"/>
           </a:p>
@@ -13230,7 +13235,7 @@
           <a:p>
             <a:fld id="{008B91A5-3819-4801-BA5A-731B79FD01CA}" type="datetime1">
               <a:rPr lang="en-US" smtClean="0"/>
-              <a:t>9/10/2018</a:t>
+              <a:t>11/22/2018</a:t>
             </a:fld>
             <a:endParaRPr lang="en-US"/>
           </a:p>
@@ -13503,7 +13508,7 @@
           <a:p>
             <a:fld id="{7E981064-DFA7-464D-8D40-5A5629BF8073}" type="datetime1">
               <a:rPr lang="en-US" smtClean="0"/>
-              <a:t>9/10/2018</a:t>
+              <a:t>11/22/2018</a:t>
             </a:fld>
             <a:endParaRPr lang="en-US"/>
           </a:p>
@@ -13695,7 +13700,7 @@
               <a:pPr>
                 <a:defRPr/>
               </a:pPr>
-              <a:t>9/10/2018</a:t>
+              <a:t>11/22/2018</a:t>
             </a:fld>
             <a:endParaRPr lang="en-US" dirty="0"/>
           </a:p>
@@ -13897,7 +13902,7 @@
               <a:pPr>
                 <a:defRPr/>
               </a:pPr>
-              <a:t>9/10/2018</a:t>
+              <a:t>11/22/2018</a:t>
             </a:fld>
             <a:endParaRPr lang="en-US" dirty="0"/>
           </a:p>
@@ -14730,7 +14735,7 @@
               <a:pPr>
                 <a:defRPr/>
               </a:pPr>
-              <a:t>9/10/2018</a:t>
+              <a:t>11/22/2018</a:t>
             </a:fld>
             <a:endParaRPr lang="en-US" dirty="0"/>
           </a:p>
@@ -15797,7 +15802,7 @@
               <a:pPr>
                 <a:defRPr/>
               </a:pPr>
-              <a:t>9/10/2018</a:t>
+              <a:t>11/22/2018</a:t>
             </a:fld>
             <a:endParaRPr lang="en-US" dirty="0"/>
           </a:p>
@@ -16023,7 +16028,7 @@
               <a:pPr>
                 <a:defRPr/>
               </a:pPr>
-              <a:t>9/10/2018</a:t>
+              <a:t>11/22/2018</a:t>
             </a:fld>
             <a:endParaRPr lang="en-US" dirty="0">
               <a:solidFill>
@@ -16478,7 +16483,7 @@
               <a:pPr>
                 <a:defRPr/>
               </a:pPr>
-              <a:t>9/10/2018</a:t>
+              <a:t>11/22/2018</a:t>
             </a:fld>
             <a:endParaRPr lang="en-US">
               <a:solidFill>
@@ -16804,7 +16809,7 @@
               <a:pPr>
                 <a:defRPr/>
               </a:pPr>
-              <a:t>9/10/2018</a:t>
+              <a:t>11/22/2018</a:t>
             </a:fld>
             <a:endParaRPr lang="en-US">
               <a:solidFill>
@@ -17277,7 +17282,7 @@
               <a:pPr>
                 <a:defRPr/>
               </a:pPr>
-              <a:t>9/10/2018</a:t>
+              <a:t>11/22/2018</a:t>
             </a:fld>
             <a:endParaRPr lang="en-US">
               <a:solidFill>
@@ -17455,7 +17460,7 @@
               <a:pPr>
                 <a:defRPr/>
               </a:pPr>
-              <a:t>9/10/2018</a:t>
+              <a:t>11/22/2018</a:t>
             </a:fld>
             <a:endParaRPr lang="en-US">
               <a:solidFill>
@@ -17602,7 +17607,7 @@
               <a:pPr>
                 <a:defRPr/>
               </a:pPr>
-              <a:t>9/10/2018</a:t>
+              <a:t>11/22/2018</a:t>
             </a:fld>
             <a:endParaRPr lang="en-US" dirty="0">
               <a:solidFill>
@@ -17921,7 +17926,7 @@
               <a:pPr>
                 <a:defRPr/>
               </a:pPr>
-              <a:t>9/10/2018</a:t>
+              <a:t>11/22/2018</a:t>
             </a:fld>
             <a:endParaRPr lang="en-US">
               <a:solidFill>
@@ -18791,7 +18796,7 @@
               <a:pPr>
                 <a:defRPr/>
               </a:pPr>
-              <a:t>9/10/2018</a:t>
+              <a:t>11/22/2018</a:t>
             </a:fld>
             <a:endParaRPr lang="en-US">
               <a:solidFill>
@@ -19374,7 +19379,7 @@
               <a:pPr>
                 <a:defRPr/>
               </a:pPr>
-              <a:t>9/10/2018</a:t>
+              <a:t>11/22/2018</a:t>
             </a:fld>
             <a:endParaRPr lang="en-US" dirty="0">
               <a:solidFill>
@@ -19608,7 +19613,7 @@
               <a:pPr>
                 <a:defRPr/>
               </a:pPr>
-              <a:t>9/10/2018</a:t>
+              <a:t>11/22/2018</a:t>
             </a:fld>
             <a:endParaRPr lang="en-US" dirty="0">
               <a:solidFill>
@@ -21289,7 +21294,7 @@
               <a:pPr>
                 <a:defRPr/>
               </a:pPr>
-              <a:t>9/10/2018</a:t>
+              <a:t>11/22/2018</a:t>
             </a:fld>
             <a:endParaRPr lang="en-US" dirty="0"/>
           </a:p>
@@ -22557,7 +22562,7 @@
               <a:pPr>
                 <a:defRPr/>
               </a:pPr>
-              <a:t>9/10/2018</a:t>
+              <a:t>11/22/2018</a:t>
             </a:fld>
             <a:endParaRPr lang="en-US" dirty="0"/>
           </a:p>
@@ -23555,7 +23560,7 @@
                 </a:spcAft>
                 <a:defRPr/>
               </a:pPr>
-              <a:t>9/10/2018</a:t>
+              <a:t>11/22/2018</a:t>
             </a:fld>
             <a:endParaRPr lang="en-US" b="1" dirty="0">
               <a:solidFill>
@@ -24389,7 +24394,7 @@
           <p:cNvPr id="8" name="Title 7">
             <a:extLst>
               <a:ext uri="{FF2B5EF4-FFF2-40B4-BE49-F238E27FC236}">
-                <a16:creationId xmlns="" xmlns:a16="http://schemas.microsoft.com/office/drawing/2014/main" id="{D5EED4D1-2C9B-4556-B1D8-7DBA7A7C3797}"/>
+                <a16:creationId xmlns:a16="http://schemas.microsoft.com/office/drawing/2014/main" xmlns="" id="{D5EED4D1-2C9B-4556-B1D8-7DBA7A7C3797}"/>
               </a:ext>
             </a:extLst>
           </p:cNvPr>
@@ -24426,15 +24431,7 @@
                   <a:schemeClr val="tx1"/>
                 </a:solidFill>
               </a:rPr>
-              <a:t> </a:t>
-            </a:r>
-            <a:r>
-              <a:rPr lang="en-GB" dirty="0">
-                <a:solidFill>
-                  <a:schemeClr val="tx1"/>
-                </a:solidFill>
-              </a:rPr>
-              <a:t>Property Binding</a:t>
+              <a:t> Property Binding</a:t>
             </a:r>
             <a:endParaRPr lang="en-US" dirty="0"/>
           </a:p>
@@ -24638,7 +24635,7 @@
           <p:cNvPr id="18" name="Picture 17">
             <a:extLst>
               <a:ext uri="{FF2B5EF4-FFF2-40B4-BE49-F238E27FC236}">
-                <a16:creationId xmlns="" xmlns:a16="http://schemas.microsoft.com/office/drawing/2014/main" id="{27C9F3EB-9187-4190-8E67-FEF395E00658}"/>
+                <a16:creationId xmlns:a16="http://schemas.microsoft.com/office/drawing/2014/main" xmlns="" id="{27C9F3EB-9187-4190-8E67-FEF395E00658}"/>
               </a:ext>
             </a:extLst>
           </p:cNvPr>
@@ -24668,7 +24665,7 @@
           <p:cNvPr id="13" name="Picture 12">
             <a:extLst>
               <a:ext uri="{FF2B5EF4-FFF2-40B4-BE49-F238E27FC236}">
-                <a16:creationId xmlns="" xmlns:a16="http://schemas.microsoft.com/office/drawing/2014/main" id="{2F752AAA-4B9B-4453-A531-46D27CAB4C69}"/>
+                <a16:creationId xmlns:a16="http://schemas.microsoft.com/office/drawing/2014/main" xmlns="" id="{2F752AAA-4B9B-4453-A531-46D27CAB4C69}"/>
               </a:ext>
             </a:extLst>
           </p:cNvPr>
@@ -25660,7 +25657,7 @@
         </p:blipFill>
         <p:spPr bwMode="auto">
           <a:xfrm>
-            <a:off x="787400" y="3378200"/>
+            <a:off x="1302787" y="3677452"/>
             <a:ext cx="6832600" cy="266700"/>
           </a:xfrm>
           <a:prstGeom prst="rect">
@@ -26764,7 +26761,7 @@
           <p:cNvPr id="4" name="Title 3">
             <a:extLst>
               <a:ext uri="{FF2B5EF4-FFF2-40B4-BE49-F238E27FC236}">
-                <a16:creationId xmlns="" xmlns:a16="http://schemas.microsoft.com/office/drawing/2014/main" id="{3AB276FA-B690-4D2A-B662-8650CC30B686}"/>
+                <a16:creationId xmlns:a16="http://schemas.microsoft.com/office/drawing/2014/main" xmlns="" id="{3AB276FA-B690-4D2A-B662-8650CC30B686}"/>
               </a:ext>
             </a:extLst>
           </p:cNvPr>
@@ -26792,7 +26789,7 @@
           <p:cNvPr id="5" name="Text Placeholder 4">
             <a:extLst>
               <a:ext uri="{FF2B5EF4-FFF2-40B4-BE49-F238E27FC236}">
-                <a16:creationId xmlns="" xmlns:a16="http://schemas.microsoft.com/office/drawing/2014/main" id="{E0B5C607-0535-42E9-B95E-00C5BD243544}"/>
+                <a16:creationId xmlns:a16="http://schemas.microsoft.com/office/drawing/2014/main" xmlns="" id="{E0B5C607-0535-42E9-B95E-00C5BD243544}"/>
               </a:ext>
             </a:extLst>
           </p:cNvPr>
@@ -27732,7 +27729,7 @@
   <a:extraClrSchemeLst/>
   <a:extLst>
     <a:ext uri="{05A4C25C-085E-4340-85A3-A5531E510DB2}">
-      <thm15:themeFamily xmlns="" xmlns:thm15="http://schemas.microsoft.com/office/thememl/2012/main" name="Core-17" id="{3B98E06F-B3B7-4882-A404-D90770740DF4}" vid="{32E2717A-F64A-4C0A-9F87-FB05C7D73722}"/>
+      <thm15:themeFamily xmlns:thm15="http://schemas.microsoft.com/office/thememl/2012/main" name="Core-17" id="{3B98E06F-B3B7-4882-A404-D90770740DF4}" vid="{32E2717A-F64A-4C0A-9F87-FB05C7D73722}"/>
     </a:ext>
   </a:extLst>
 </a:theme>
@@ -28280,7 +28277,7 @@
   <a:extraClrSchemeLst/>
   <a:extLst>
     <a:ext uri="{05A4C25C-085E-4340-85A3-A5531E510DB2}">
-      <thm15:themeFamily xmlns="" xmlns:thm15="http://schemas.microsoft.com/office/thememl/2012/main" name="Office Theme" id="{62F939B6-93AF-4DB8-9C6B-D6C7DFDC589F}" vid="{4A3C46E8-61CC-4603-A589-7422A47A8E4A}"/>
+      <thm15:themeFamily xmlns:thm15="http://schemas.microsoft.com/office/thememl/2012/main" name="Office Theme" id="{62F939B6-93AF-4DB8-9C6B-D6C7DFDC589F}" vid="{4A3C46E8-61CC-4603-A589-7422A47A8E4A}"/>
     </a:ext>
   </a:extLst>
 </a:theme>
